--- a/content/lectures/30dijkstra/30-slide-handout.pptx
+++ b/content/lectures/30dijkstra/30-slide-handout.pptx
@@ -4352,7 +4352,7 @@
           <a:p>
             <a:r>
               <a:rPr lang="en-US" dirty="0"/>
-              <a:t>The Parent Map (BFS)</a:t>
+              <a:t>The cameFrom Map (BFS)</a:t>
             </a:r>
           </a:p>
           <a:p>
